--- a/paper/fig-ppt/fig_01_dt_2_v.pptx
+++ b/paper/fig-ppt/fig_01_dt_2_v.pptx
@@ -105,6 +105,11 @@
       </a:defRPr>
     </a:lvl9pPr>
   </p:defaultTextStyle>
+  <p:extLst>
+    <p:ext uri="{EFAFB233-063F-42B5-8137-9DF3F51BA10A}">
+      <p15:sldGuideLst xmlns:p15="http://schemas.microsoft.com/office/powerpoint/2012/main"/>
+    </p:ext>
+  </p:extLst>
 </p:presentation>
 </file>
 
@@ -255,7 +260,7 @@
           <a:p>
             <a:fld id="{C3B91273-C6EA-4244-850A-5CA273985964}" type="datetimeFigureOut">
               <a:rPr lang="en-US" smtClean="0"/>
-              <a:t>8/24/2022</a:t>
+              <a:t>8/26/2022</a:t>
             </a:fld>
             <a:endParaRPr lang="en-US"/>
           </a:p>
@@ -453,7 +458,7 @@
           <a:p>
             <a:fld id="{C3B91273-C6EA-4244-850A-5CA273985964}" type="datetimeFigureOut">
               <a:rPr lang="en-US" smtClean="0"/>
-              <a:t>8/24/2022</a:t>
+              <a:t>8/26/2022</a:t>
             </a:fld>
             <a:endParaRPr lang="en-US"/>
           </a:p>
@@ -661,7 +666,7 @@
           <a:p>
             <a:fld id="{C3B91273-C6EA-4244-850A-5CA273985964}" type="datetimeFigureOut">
               <a:rPr lang="en-US" smtClean="0"/>
-              <a:t>8/24/2022</a:t>
+              <a:t>8/26/2022</a:t>
             </a:fld>
             <a:endParaRPr lang="en-US"/>
           </a:p>
@@ -859,7 +864,7 @@
           <a:p>
             <a:fld id="{C3B91273-C6EA-4244-850A-5CA273985964}" type="datetimeFigureOut">
               <a:rPr lang="en-US" smtClean="0"/>
-              <a:t>8/24/2022</a:t>
+              <a:t>8/26/2022</a:t>
             </a:fld>
             <a:endParaRPr lang="en-US"/>
           </a:p>
@@ -1134,7 +1139,7 @@
           <a:p>
             <a:fld id="{C3B91273-C6EA-4244-850A-5CA273985964}" type="datetimeFigureOut">
               <a:rPr lang="en-US" smtClean="0"/>
-              <a:t>8/24/2022</a:t>
+              <a:t>8/26/2022</a:t>
             </a:fld>
             <a:endParaRPr lang="en-US"/>
           </a:p>
@@ -1399,7 +1404,7 @@
           <a:p>
             <a:fld id="{C3B91273-C6EA-4244-850A-5CA273985964}" type="datetimeFigureOut">
               <a:rPr lang="en-US" smtClean="0"/>
-              <a:t>8/24/2022</a:t>
+              <a:t>8/26/2022</a:t>
             </a:fld>
             <a:endParaRPr lang="en-US"/>
           </a:p>
@@ -1811,7 +1816,7 @@
           <a:p>
             <a:fld id="{C3B91273-C6EA-4244-850A-5CA273985964}" type="datetimeFigureOut">
               <a:rPr lang="en-US" smtClean="0"/>
-              <a:t>8/24/2022</a:t>
+              <a:t>8/26/2022</a:t>
             </a:fld>
             <a:endParaRPr lang="en-US"/>
           </a:p>
@@ -1952,7 +1957,7 @@
           <a:p>
             <a:fld id="{C3B91273-C6EA-4244-850A-5CA273985964}" type="datetimeFigureOut">
               <a:rPr lang="en-US" smtClean="0"/>
-              <a:t>8/24/2022</a:t>
+              <a:t>8/26/2022</a:t>
             </a:fld>
             <a:endParaRPr lang="en-US"/>
           </a:p>
@@ -2065,7 +2070,7 @@
           <a:p>
             <a:fld id="{C3B91273-C6EA-4244-850A-5CA273985964}" type="datetimeFigureOut">
               <a:rPr lang="en-US" smtClean="0"/>
-              <a:t>8/24/2022</a:t>
+              <a:t>8/26/2022</a:t>
             </a:fld>
             <a:endParaRPr lang="en-US"/>
           </a:p>
@@ -2376,7 +2381,7 @@
           <a:p>
             <a:fld id="{C3B91273-C6EA-4244-850A-5CA273985964}" type="datetimeFigureOut">
               <a:rPr lang="en-US" smtClean="0"/>
-              <a:t>8/24/2022</a:t>
+              <a:t>8/26/2022</a:t>
             </a:fld>
             <a:endParaRPr lang="en-US"/>
           </a:p>
@@ -2664,7 +2669,7 @@
           <a:p>
             <a:fld id="{C3B91273-C6EA-4244-850A-5CA273985964}" type="datetimeFigureOut">
               <a:rPr lang="en-US" smtClean="0"/>
-              <a:t>8/24/2022</a:t>
+              <a:t>8/26/2022</a:t>
             </a:fld>
             <a:endParaRPr lang="en-US"/>
           </a:p>
@@ -2905,7 +2910,7 @@
           <a:p>
             <a:fld id="{C3B91273-C6EA-4244-850A-5CA273985964}" type="datetimeFigureOut">
               <a:rPr lang="en-US" smtClean="0"/>
-              <a:t>8/24/2022</a:t>
+              <a:t>8/26/2022</a:t>
             </a:fld>
             <a:endParaRPr lang="en-US"/>
           </a:p>
@@ -3971,269 +3976,6 @@
                   </a:ln>
                 </p:spPr>
               </p:pic>
-              <mc:AlternateContent xmlns:mc="http://schemas.openxmlformats.org/markup-compatibility/2006">
-                <mc:Choice xmlns:a14="http://schemas.microsoft.com/office/drawing/2010/main" Requires="a14">
-                  <p:sp>
-                    <p:nvSpPr>
-                      <p:cNvPr id="55" name="TextBox 54">
-                        <a:extLst>
-                          <a:ext uri="{FF2B5EF4-FFF2-40B4-BE49-F238E27FC236}">
-                            <a16:creationId xmlns:a16="http://schemas.microsoft.com/office/drawing/2014/main" id="{C5F9F170-CE29-775B-7192-7DBBB6E8E3A2}"/>
-                          </a:ext>
-                        </a:extLst>
-                      </p:cNvPr>
-                      <p:cNvSpPr txBox="1"/>
-                      <p:nvPr/>
-                    </p:nvSpPr>
-                    <p:spPr>
-                      <a:xfrm>
-                        <a:off x="5879800" y="1764839"/>
-                        <a:ext cx="342920" cy="406265"/>
-                      </a:xfrm>
-                      <a:prstGeom prst="rect">
-                        <a:avLst/>
-                      </a:prstGeom>
-                      <a:noFill/>
-                    </p:spPr>
-                    <p:txBody>
-                      <a:bodyPr wrap="none" lIns="0" tIns="0" rIns="0" bIns="0" rtlCol="0">
-                        <a:spAutoFit/>
-                      </a:bodyPr>
-                      <a:lstStyle/>
-                      <a:p>
-                        <a14:m>
-                          <m:oMathPara xmlns:m="http://schemas.openxmlformats.org/officeDocument/2006/math">
-                            <m:oMathParaPr>
-                              <m:jc m:val="centerGroup"/>
-                            </m:oMathParaPr>
-                            <m:oMath xmlns:m="http://schemas.openxmlformats.org/officeDocument/2006/math">
-                              <m:sSub>
-                                <m:sSubPr>
-                                  <m:ctrlPr>
-                                    <a:rPr lang="en-US" sz="2400" i="1" smtClean="0">
-                                      <a:solidFill>
-                                        <a:srgbClr val="0808FF"/>
-                                      </a:solidFill>
-                                      <a:latin typeface="Cambria Math" panose="02040503050406030204" pitchFamily="18" charset="0"/>
-                                    </a:rPr>
-                                  </m:ctrlPr>
-                                </m:sSubPr>
-                                <m:e>
-                                  <m:r>
-                                    <a:rPr lang="en-US" sz="2400" b="0" i="1" smtClean="0">
-                                      <a:solidFill>
-                                        <a:srgbClr val="0808FF"/>
-                                      </a:solidFill>
-                                      <a:latin typeface="Cambria Math" panose="02040503050406030204" pitchFamily="18" charset="0"/>
-                                    </a:rPr>
-                                    <m:t>𝑝</m:t>
-                                  </m:r>
-                                </m:e>
-                                <m:sub>
-                                  <m:r>
-                                    <a:rPr lang="en-US" sz="2400" b="0" i="1" smtClean="0">
-                                      <a:solidFill>
-                                        <a:srgbClr val="0808FF"/>
-                                      </a:solidFill>
-                                      <a:latin typeface="Cambria Math" panose="02040503050406030204" pitchFamily="18" charset="0"/>
-                                    </a:rPr>
-                                    <m:t>𝑖</m:t>
-                                  </m:r>
-                                </m:sub>
-                              </m:sSub>
-                            </m:oMath>
-                          </m:oMathPara>
-                        </a14:m>
-                        <a:endParaRPr lang="en-US" sz="2400" dirty="0">
-                          <a:solidFill>
-                            <a:srgbClr val="0808FF"/>
-                          </a:solidFill>
-                        </a:endParaRPr>
-                      </a:p>
-                    </p:txBody>
-                  </p:sp>
-                </mc:Choice>
-                <mc:Fallback>
-                  <p:sp>
-                    <p:nvSpPr>
-                      <p:cNvPr id="55" name="TextBox 54">
-                        <a:extLst>
-                          <a:ext uri="{FF2B5EF4-FFF2-40B4-BE49-F238E27FC236}">
-                            <a16:creationId xmlns:a16="http://schemas.microsoft.com/office/drawing/2014/main" id="{C5F9F170-CE29-775B-7192-7DBBB6E8E3A2}"/>
-                          </a:ext>
-                        </a:extLst>
-                      </p:cNvPr>
-                      <p:cNvSpPr txBox="1">
-                        <a:spLocks noRot="1" noChangeAspect="1" noMove="1" noResize="1" noEditPoints="1" noAdjustHandles="1" noChangeArrowheads="1" noChangeShapeType="1" noTextEdit="1"/>
-                      </p:cNvSpPr>
-                      <p:nvPr/>
-                    </p:nvSpPr>
-                    <p:spPr>
-                      <a:xfrm>
-                        <a:off x="5879800" y="1764839"/>
-                        <a:ext cx="342920" cy="406265"/>
-                      </a:xfrm>
-                      <a:prstGeom prst="rect">
-                        <a:avLst/>
-                      </a:prstGeom>
-                      <a:blipFill>
-                        <a:blip r:embed="rId5"/>
-                        <a:stretch>
-                          <a:fillRect l="-22222" r="-7407" b="-24590"/>
-                        </a:stretch>
-                      </a:blipFill>
-                    </p:spPr>
-                    <p:txBody>
-                      <a:bodyPr/>
-                      <a:lstStyle/>
-                      <a:p>
-                        <a:r>
-                          <a:rPr lang="en-US">
-                            <a:noFill/>
-                          </a:rPr>
-                          <a:t> </a:t>
-                        </a:r>
-                      </a:p>
-                    </p:txBody>
-                  </p:sp>
-                </mc:Fallback>
-              </mc:AlternateContent>
-              <mc:AlternateContent xmlns:mc="http://schemas.openxmlformats.org/markup-compatibility/2006">
-                <mc:Choice xmlns:a14="http://schemas.microsoft.com/office/drawing/2010/main" Requires="a14">
-                  <p:sp>
-                    <p:nvSpPr>
-                      <p:cNvPr id="56" name="TextBox 55">
-                        <a:extLst>
-                          <a:ext uri="{FF2B5EF4-FFF2-40B4-BE49-F238E27FC236}">
-                            <a16:creationId xmlns:a16="http://schemas.microsoft.com/office/drawing/2014/main" id="{11886889-6EDB-4058-8132-99BA7D69518F}"/>
-                          </a:ext>
-                        </a:extLst>
-                      </p:cNvPr>
-                      <p:cNvSpPr txBox="1"/>
-                      <p:nvPr/>
-                    </p:nvSpPr>
-                    <p:spPr>
-                      <a:xfrm>
-                        <a:off x="4917228" y="1764838"/>
-                        <a:ext cx="648026" cy="406265"/>
-                      </a:xfrm>
-                      <a:prstGeom prst="rect">
-                        <a:avLst/>
-                      </a:prstGeom>
-                      <a:noFill/>
-                    </p:spPr>
-                    <p:txBody>
-                      <a:bodyPr wrap="none" lIns="0" tIns="0" rIns="0" bIns="0" rtlCol="0">
-                        <a:spAutoFit/>
-                      </a:bodyPr>
-                      <a:lstStyle/>
-                      <a:p>
-                        <a14:m>
-                          <m:oMathPara xmlns:m="http://schemas.openxmlformats.org/officeDocument/2006/math">
-                            <m:oMathParaPr>
-                              <m:jc m:val="centerGroup"/>
-                            </m:oMathParaPr>
-                            <m:oMath xmlns:m="http://schemas.openxmlformats.org/officeDocument/2006/math">
-                              <m:sSub>
-                                <m:sSubPr>
-                                  <m:ctrlPr>
-                                    <a:rPr lang="en-US" sz="2400" i="1" smtClean="0">
-                                      <a:solidFill>
-                                        <a:srgbClr val="0808FF"/>
-                                      </a:solidFill>
-                                      <a:latin typeface="Cambria Math" panose="02040503050406030204" pitchFamily="18" charset="0"/>
-                                    </a:rPr>
-                                  </m:ctrlPr>
-                                </m:sSubPr>
-                                <m:e>
-                                  <m:r>
-                                    <a:rPr lang="en-US" sz="2400" b="0" i="1" smtClean="0">
-                                      <a:solidFill>
-                                        <a:srgbClr val="0808FF"/>
-                                      </a:solidFill>
-                                      <a:latin typeface="Cambria Math" panose="02040503050406030204" pitchFamily="18" charset="0"/>
-                                    </a:rPr>
-                                    <m:t>𝑝</m:t>
-                                  </m:r>
-                                </m:e>
-                                <m:sub>
-                                  <m:r>
-                                    <a:rPr lang="en-US" sz="2400" b="0" i="1" smtClean="0">
-                                      <a:solidFill>
-                                        <a:srgbClr val="0808FF"/>
-                                      </a:solidFill>
-                                      <a:latin typeface="Cambria Math" panose="02040503050406030204" pitchFamily="18" charset="0"/>
-                                    </a:rPr>
-                                    <m:t>𝑖</m:t>
-                                  </m:r>
-                                  <m:r>
-                                    <a:rPr lang="en-US" sz="2400" b="0" i="1" smtClean="0">
-                                      <a:solidFill>
-                                        <a:srgbClr val="0808FF"/>
-                                      </a:solidFill>
-                                      <a:latin typeface="Cambria Math" panose="02040503050406030204" pitchFamily="18" charset="0"/>
-                                    </a:rPr>
-                                    <m:t>−1</m:t>
-                                  </m:r>
-                                </m:sub>
-                              </m:sSub>
-                            </m:oMath>
-                          </m:oMathPara>
-                        </a14:m>
-                        <a:endParaRPr lang="en-US" sz="2400" dirty="0">
-                          <a:solidFill>
-                            <a:srgbClr val="0808FF"/>
-                          </a:solidFill>
-                        </a:endParaRPr>
-                      </a:p>
-                    </p:txBody>
-                  </p:sp>
-                </mc:Choice>
-                <mc:Fallback>
-                  <p:sp>
-                    <p:nvSpPr>
-                      <p:cNvPr id="56" name="TextBox 55">
-                        <a:extLst>
-                          <a:ext uri="{FF2B5EF4-FFF2-40B4-BE49-F238E27FC236}">
-                            <a16:creationId xmlns:a16="http://schemas.microsoft.com/office/drawing/2014/main" id="{11886889-6EDB-4058-8132-99BA7D69518F}"/>
-                          </a:ext>
-                        </a:extLst>
-                      </p:cNvPr>
-                      <p:cNvSpPr txBox="1">
-                        <a:spLocks noRot="1" noChangeAspect="1" noMove="1" noResize="1" noEditPoints="1" noAdjustHandles="1" noChangeArrowheads="1" noChangeShapeType="1" noTextEdit="1"/>
-                      </p:cNvSpPr>
-                      <p:nvPr/>
-                    </p:nvSpPr>
-                    <p:spPr>
-                      <a:xfrm>
-                        <a:off x="4917228" y="1764838"/>
-                        <a:ext cx="648026" cy="406265"/>
-                      </a:xfrm>
-                      <a:prstGeom prst="rect">
-                        <a:avLst/>
-                      </a:prstGeom>
-                      <a:blipFill>
-                        <a:blip r:embed="rId6"/>
-                        <a:stretch>
-                          <a:fillRect l="-11650" r="-2913" b="-24590"/>
-                        </a:stretch>
-                      </a:blipFill>
-                    </p:spPr>
-                    <p:txBody>
-                      <a:bodyPr/>
-                      <a:lstStyle/>
-                      <a:p>
-                        <a:r>
-                          <a:rPr lang="en-US">
-                            <a:noFill/>
-                          </a:rPr>
-                          <a:t> </a:t>
-                        </a:r>
-                      </a:p>
-                    </p:txBody>
-                  </p:sp>
-                </mc:Fallback>
-              </mc:AlternateContent>
             </p:grpSp>
             <p:sp>
               <p:nvSpPr>
@@ -4525,7 +4267,7 @@
             <p:nvPr/>
           </p:nvPicPr>
           <p:blipFill rotWithShape="1">
-            <a:blip r:embed="rId7"/>
+            <a:blip r:embed="rId5"/>
             <a:srcRect l="20668" t="6666" r="17500" b="10585"/>
             <a:stretch/>
           </p:blipFill>
@@ -4647,7 +4389,7 @@
             <p:nvPr/>
           </p:nvPicPr>
           <p:blipFill rotWithShape="1">
-            <a:blip r:embed="rId8"/>
+            <a:blip r:embed="rId6"/>
             <a:srcRect l="20668" t="6369" r="17532" b="10396"/>
             <a:stretch/>
           </p:blipFill>
@@ -4719,7 +4461,7 @@
             <p:nvPr/>
           </p:nvPicPr>
           <p:blipFill rotWithShape="1">
-            <a:blip r:embed="rId9"/>
+            <a:blip r:embed="rId7"/>
             <a:srcRect l="20098" t="5866" r="16282" b="9074"/>
             <a:stretch/>
           </p:blipFill>
@@ -4848,6 +4590,41 @@
           </p:spPr>
         </p:pic>
       </p:grpSp>
+      <p:pic>
+        <p:nvPicPr>
+          <p:cNvPr id="3" name="Picture 2" descr="A computer on a desk&#10;&#10;Description automatically generated with low confidence">
+            <a:extLst>
+              <a:ext uri="{FF2B5EF4-FFF2-40B4-BE49-F238E27FC236}">
+                <a16:creationId xmlns:a16="http://schemas.microsoft.com/office/drawing/2014/main" id="{4C5BB73F-12DF-677E-CA7F-E832ED24E318}"/>
+              </a:ext>
+            </a:extLst>
+          </p:cNvPr>
+          <p:cNvPicPr>
+            <a:picLocks noChangeAspect="1"/>
+          </p:cNvPicPr>
+          <p:nvPr/>
+        </p:nvPicPr>
+        <p:blipFill rotWithShape="1">
+          <a:blip r:embed="rId3">
+            <a:extLst>
+              <a:ext uri="{28A0092B-C50C-407E-A947-70E740481C1C}">
+                <a14:useLocalDpi xmlns:a14="http://schemas.microsoft.com/office/drawing/2010/main" val="0"/>
+              </a:ext>
+            </a:extLst>
+          </a:blip>
+          <a:srcRect l="37615" t="68382" r="39619" b="15908"/>
+          <a:stretch/>
+        </p:blipFill>
+        <p:spPr>
+          <a:xfrm>
+            <a:off x="3255127" y="2074576"/>
+            <a:ext cx="2942937" cy="2708845"/>
+          </a:xfrm>
+          <a:prstGeom prst="rect">
+            <a:avLst/>
+          </a:prstGeom>
+        </p:spPr>
+      </p:pic>
     </p:spTree>
     <p:extLst>
       <p:ext uri="{BB962C8B-B14F-4D97-AF65-F5344CB8AC3E}">

--- a/paper/fig-ppt/fig_01_dt_2_v.pptx
+++ b/paper/fig-ppt/fig_01_dt_2_v.pptx
@@ -6,7 +6,8 @@
   </p:sldMasterIdLst>
   <p:sldIdLst>
     <p:sldId id="256" r:id="rId2"/>
-    <p:sldId id="257" r:id="rId3"/>
+    <p:sldId id="258" r:id="rId3"/>
+    <p:sldId id="257" r:id="rId4"/>
   </p:sldIdLst>
   <p:sldSz cx="12192000" cy="6858000"/>
   <p:notesSz cx="6858000" cy="9144000"/>
@@ -260,7 +261,7 @@
           <a:p>
             <a:fld id="{C3B91273-C6EA-4244-850A-5CA273985964}" type="datetimeFigureOut">
               <a:rPr lang="en-US" smtClean="0"/>
-              <a:t>8/26/2022</a:t>
+              <a:t>8/30/2022</a:t>
             </a:fld>
             <a:endParaRPr lang="en-US"/>
           </a:p>
@@ -458,7 +459,7 @@
           <a:p>
             <a:fld id="{C3B91273-C6EA-4244-850A-5CA273985964}" type="datetimeFigureOut">
               <a:rPr lang="en-US" smtClean="0"/>
-              <a:t>8/26/2022</a:t>
+              <a:t>8/30/2022</a:t>
             </a:fld>
             <a:endParaRPr lang="en-US"/>
           </a:p>
@@ -666,7 +667,7 @@
           <a:p>
             <a:fld id="{C3B91273-C6EA-4244-850A-5CA273985964}" type="datetimeFigureOut">
               <a:rPr lang="en-US" smtClean="0"/>
-              <a:t>8/26/2022</a:t>
+              <a:t>8/30/2022</a:t>
             </a:fld>
             <a:endParaRPr lang="en-US"/>
           </a:p>
@@ -864,7 +865,7 @@
           <a:p>
             <a:fld id="{C3B91273-C6EA-4244-850A-5CA273985964}" type="datetimeFigureOut">
               <a:rPr lang="en-US" smtClean="0"/>
-              <a:t>8/26/2022</a:t>
+              <a:t>8/30/2022</a:t>
             </a:fld>
             <a:endParaRPr lang="en-US"/>
           </a:p>
@@ -1139,7 +1140,7 @@
           <a:p>
             <a:fld id="{C3B91273-C6EA-4244-850A-5CA273985964}" type="datetimeFigureOut">
               <a:rPr lang="en-US" smtClean="0"/>
-              <a:t>8/26/2022</a:t>
+              <a:t>8/30/2022</a:t>
             </a:fld>
             <a:endParaRPr lang="en-US"/>
           </a:p>
@@ -1404,7 +1405,7 @@
           <a:p>
             <a:fld id="{C3B91273-C6EA-4244-850A-5CA273985964}" type="datetimeFigureOut">
               <a:rPr lang="en-US" smtClean="0"/>
-              <a:t>8/26/2022</a:t>
+              <a:t>8/30/2022</a:t>
             </a:fld>
             <a:endParaRPr lang="en-US"/>
           </a:p>
@@ -1816,7 +1817,7 @@
           <a:p>
             <a:fld id="{C3B91273-C6EA-4244-850A-5CA273985964}" type="datetimeFigureOut">
               <a:rPr lang="en-US" smtClean="0"/>
-              <a:t>8/26/2022</a:t>
+              <a:t>8/30/2022</a:t>
             </a:fld>
             <a:endParaRPr lang="en-US"/>
           </a:p>
@@ -1957,7 +1958,7 @@
           <a:p>
             <a:fld id="{C3B91273-C6EA-4244-850A-5CA273985964}" type="datetimeFigureOut">
               <a:rPr lang="en-US" smtClean="0"/>
-              <a:t>8/26/2022</a:t>
+              <a:t>8/30/2022</a:t>
             </a:fld>
             <a:endParaRPr lang="en-US"/>
           </a:p>
@@ -2070,7 +2071,7 @@
           <a:p>
             <a:fld id="{C3B91273-C6EA-4244-850A-5CA273985964}" type="datetimeFigureOut">
               <a:rPr lang="en-US" smtClean="0"/>
-              <a:t>8/26/2022</a:t>
+              <a:t>8/30/2022</a:t>
             </a:fld>
             <a:endParaRPr lang="en-US"/>
           </a:p>
@@ -2381,7 +2382,7 @@
           <a:p>
             <a:fld id="{C3B91273-C6EA-4244-850A-5CA273985964}" type="datetimeFigureOut">
               <a:rPr lang="en-US" smtClean="0"/>
-              <a:t>8/26/2022</a:t>
+              <a:t>8/30/2022</a:t>
             </a:fld>
             <a:endParaRPr lang="en-US"/>
           </a:p>
@@ -2669,7 +2670,7 @@
           <a:p>
             <a:fld id="{C3B91273-C6EA-4244-850A-5CA273985964}" type="datetimeFigureOut">
               <a:rPr lang="en-US" smtClean="0"/>
-              <a:t>8/26/2022</a:t>
+              <a:t>8/30/2022</a:t>
             </a:fld>
             <a:endParaRPr lang="en-US"/>
           </a:p>
@@ -2910,7 +2911,7 @@
           <a:p>
             <a:fld id="{C3B91273-C6EA-4244-850A-5CA273985964}" type="datetimeFigureOut">
               <a:rPr lang="en-US" smtClean="0"/>
-              <a:t>8/26/2022</a:t>
+              <a:t>8/30/2022</a:t>
             </a:fld>
             <a:endParaRPr lang="en-US"/>
           </a:p>
@@ -3311,6 +3312,1169 @@
 </file>
 
 <file path=ppt/slides/slide1.xml><?xml version="1.0" encoding="utf-8"?>
+<p:sld xmlns:a="http://schemas.openxmlformats.org/drawingml/2006/main" xmlns:r="http://schemas.openxmlformats.org/officeDocument/2006/relationships" xmlns:p="http://schemas.openxmlformats.org/presentationml/2006/main">
+  <p:cSld>
+    <p:spTree>
+      <p:nvGrpSpPr>
+        <p:cNvPr id="1" name=""/>
+        <p:cNvGrpSpPr/>
+        <p:nvPr/>
+      </p:nvGrpSpPr>
+      <p:grpSpPr>
+        <a:xfrm>
+          <a:off x="0" y="0"/>
+          <a:ext cx="0" cy="0"/>
+          <a:chOff x="0" y="0"/>
+          <a:chExt cx="0" cy="0"/>
+        </a:xfrm>
+      </p:grpSpPr>
+      <p:grpSp>
+        <p:nvGrpSpPr>
+          <p:cNvPr id="5" name="Group 4">
+            <a:extLst>
+              <a:ext uri="{FF2B5EF4-FFF2-40B4-BE49-F238E27FC236}">
+                <a16:creationId xmlns:a16="http://schemas.microsoft.com/office/drawing/2014/main" id="{4453C810-060C-6C3A-8D26-17FBE7A8F046}"/>
+              </a:ext>
+            </a:extLst>
+          </p:cNvPr>
+          <p:cNvGrpSpPr/>
+          <p:nvPr/>
+        </p:nvGrpSpPr>
+        <p:grpSpPr>
+          <a:xfrm>
+            <a:off x="-158258" y="-70227"/>
+            <a:ext cx="12320010" cy="6861390"/>
+            <a:chOff x="-158258" y="-70227"/>
+            <a:chExt cx="12320010" cy="6861390"/>
+          </a:xfrm>
+        </p:grpSpPr>
+        <p:grpSp>
+          <p:nvGrpSpPr>
+            <p:cNvPr id="184" name="Group 183">
+              <a:extLst>
+                <a:ext uri="{FF2B5EF4-FFF2-40B4-BE49-F238E27FC236}">
+                  <a16:creationId xmlns:a16="http://schemas.microsoft.com/office/drawing/2014/main" id="{16C4867F-6E7A-60F4-890F-93A82B5B7FD1}"/>
+                </a:ext>
+              </a:extLst>
+            </p:cNvPr>
+            <p:cNvGrpSpPr/>
+            <p:nvPr/>
+          </p:nvGrpSpPr>
+          <p:grpSpPr>
+            <a:xfrm>
+              <a:off x="-158258" y="-70227"/>
+              <a:ext cx="12320010" cy="6861390"/>
+              <a:chOff x="-158258" y="-70227"/>
+              <a:chExt cx="12320010" cy="6861390"/>
+            </a:xfrm>
+          </p:grpSpPr>
+          <p:pic>
+            <p:nvPicPr>
+              <p:cNvPr id="176" name="Picture 175">
+                <a:extLst>
+                  <a:ext uri="{FF2B5EF4-FFF2-40B4-BE49-F238E27FC236}">
+                    <a16:creationId xmlns:a16="http://schemas.microsoft.com/office/drawing/2014/main" id="{34AA31A6-D3F6-C606-E396-2B78535DB0B4}"/>
+                  </a:ext>
+                </a:extLst>
+              </p:cNvPr>
+              <p:cNvPicPr>
+                <a:picLocks noChangeAspect="1"/>
+              </p:cNvPicPr>
+              <p:nvPr/>
+            </p:nvPicPr>
+            <p:blipFill rotWithShape="1">
+              <a:blip r:embed="rId2"/>
+              <a:srcRect l="19739" t="5575" r="16407" b="9074"/>
+              <a:stretch/>
+            </p:blipFill>
+            <p:spPr>
+              <a:xfrm>
+                <a:off x="9068725" y="276790"/>
+                <a:ext cx="3033106" cy="2886224"/>
+              </a:xfrm>
+              <a:prstGeom prst="rect">
+                <a:avLst/>
+              </a:prstGeom>
+            </p:spPr>
+          </p:pic>
+          <p:sp>
+            <p:nvSpPr>
+              <p:cNvPr id="99" name="TextBox 98">
+                <a:extLst>
+                  <a:ext uri="{FF2B5EF4-FFF2-40B4-BE49-F238E27FC236}">
+                    <a16:creationId xmlns:a16="http://schemas.microsoft.com/office/drawing/2014/main" id="{8BDFC165-0659-6422-E969-54A6909864F9}"/>
+                  </a:ext>
+                </a:extLst>
+              </p:cNvPr>
+              <p:cNvSpPr txBox="1"/>
+              <p:nvPr/>
+            </p:nvSpPr>
+            <p:spPr>
+              <a:xfrm>
+                <a:off x="6535763" y="1329582"/>
+                <a:ext cx="2597730" cy="707886"/>
+              </a:xfrm>
+              <a:prstGeom prst="rect">
+                <a:avLst/>
+              </a:prstGeom>
+              <a:noFill/>
+            </p:spPr>
+            <p:txBody>
+              <a:bodyPr wrap="square" rtlCol="0">
+                <a:spAutoFit/>
+              </a:bodyPr>
+              <a:lstStyle/>
+              <a:p>
+                <a:pPr algn="ctr"/>
+                <a:r>
+                  <a:rPr lang="en-US" sz="2000" dirty="0"/>
+                  <a:t>1) Dwell time optimization</a:t>
+                </a:r>
+              </a:p>
+            </p:txBody>
+          </p:sp>
+          <p:cxnSp>
+            <p:nvCxnSpPr>
+              <p:cNvPr id="98" name="Straight Arrow Connector 97">
+                <a:extLst>
+                  <a:ext uri="{FF2B5EF4-FFF2-40B4-BE49-F238E27FC236}">
+                    <a16:creationId xmlns:a16="http://schemas.microsoft.com/office/drawing/2014/main" id="{1E8A5CD2-3919-7DAD-0205-47953C4FC3A6}"/>
+                  </a:ext>
+                </a:extLst>
+              </p:cNvPr>
+              <p:cNvCxnSpPr>
+                <a:cxnSpLocks/>
+              </p:cNvCxnSpPr>
+              <p:nvPr/>
+            </p:nvCxnSpPr>
+            <p:spPr>
+              <a:xfrm>
+                <a:off x="6467032" y="1683525"/>
+                <a:ext cx="2585708" cy="0"/>
+              </a:xfrm>
+              <a:prstGeom prst="straightConnector1">
+                <a:avLst/>
+              </a:prstGeom>
+              <a:ln w="19050">
+                <a:tailEnd type="triangle"/>
+              </a:ln>
+            </p:spPr>
+            <p:style>
+              <a:lnRef idx="1">
+                <a:schemeClr val="dk1"/>
+              </a:lnRef>
+              <a:fillRef idx="0">
+                <a:schemeClr val="dk1"/>
+              </a:fillRef>
+              <a:effectRef idx="0">
+                <a:schemeClr val="dk1"/>
+              </a:effectRef>
+              <a:fontRef idx="minor">
+                <a:schemeClr val="tx1"/>
+              </a:fontRef>
+            </p:style>
+          </p:cxnSp>
+          <p:cxnSp>
+            <p:nvCxnSpPr>
+              <p:cNvPr id="100" name="Straight Arrow Connector 99">
+                <a:extLst>
+                  <a:ext uri="{FF2B5EF4-FFF2-40B4-BE49-F238E27FC236}">
+                    <a16:creationId xmlns:a16="http://schemas.microsoft.com/office/drawing/2014/main" id="{A9A3FDB1-08E2-E721-2527-62E757E24013}"/>
+                  </a:ext>
+                </a:extLst>
+              </p:cNvPr>
+              <p:cNvCxnSpPr>
+                <a:cxnSpLocks/>
+              </p:cNvCxnSpPr>
+              <p:nvPr/>
+            </p:nvCxnSpPr>
+            <p:spPr>
+              <a:xfrm>
+                <a:off x="10516608" y="3130010"/>
+                <a:ext cx="0" cy="908517"/>
+              </a:xfrm>
+              <a:prstGeom prst="straightConnector1">
+                <a:avLst/>
+              </a:prstGeom>
+              <a:ln w="19050">
+                <a:tailEnd type="triangle"/>
+              </a:ln>
+            </p:spPr>
+            <p:style>
+              <a:lnRef idx="1">
+                <a:schemeClr val="dk1"/>
+              </a:lnRef>
+              <a:fillRef idx="0">
+                <a:schemeClr val="dk1"/>
+              </a:fillRef>
+              <a:effectRef idx="0">
+                <a:schemeClr val="dk1"/>
+              </a:effectRef>
+              <a:fontRef idx="minor">
+                <a:schemeClr val="tx1"/>
+              </a:fontRef>
+            </p:style>
+          </p:cxnSp>
+          <p:sp>
+            <p:nvSpPr>
+              <p:cNvPr id="104" name="TextBox 103">
+                <a:extLst>
+                  <a:ext uri="{FF2B5EF4-FFF2-40B4-BE49-F238E27FC236}">
+                    <a16:creationId xmlns:a16="http://schemas.microsoft.com/office/drawing/2014/main" id="{BC6EBB43-64A5-399E-CCA5-485FFB61BE8D}"/>
+                  </a:ext>
+                </a:extLst>
+              </p:cNvPr>
+              <p:cNvSpPr txBox="1"/>
+              <p:nvPr/>
+            </p:nvSpPr>
+            <p:spPr>
+              <a:xfrm>
+                <a:off x="7660564" y="4985632"/>
+                <a:ext cx="1406154" cy="400110"/>
+              </a:xfrm>
+              <a:prstGeom prst="rect">
+                <a:avLst/>
+              </a:prstGeom>
+              <a:noFill/>
+            </p:spPr>
+            <p:txBody>
+              <a:bodyPr wrap="none" rtlCol="0">
+                <a:spAutoFit/>
+              </a:bodyPr>
+              <a:lstStyle/>
+              <a:p>
+                <a:pPr algn="ctr"/>
+                <a:r>
+                  <a:rPr lang="en-US" sz="2000" dirty="0"/>
+                  <a:t>3) Sampling</a:t>
+                </a:r>
+              </a:p>
+            </p:txBody>
+          </p:sp>
+          <p:cxnSp>
+            <p:nvCxnSpPr>
+              <p:cNvPr id="105" name="Straight Arrow Connector 104">
+                <a:extLst>
+                  <a:ext uri="{FF2B5EF4-FFF2-40B4-BE49-F238E27FC236}">
+                    <a16:creationId xmlns:a16="http://schemas.microsoft.com/office/drawing/2014/main" id="{7C11295B-5030-40F4-0B7B-265FD1BE4B3E}"/>
+                  </a:ext>
+                </a:extLst>
+              </p:cNvPr>
+              <p:cNvCxnSpPr>
+                <a:cxnSpLocks/>
+                <a:endCxn id="152" idx="3"/>
+              </p:cNvCxnSpPr>
+              <p:nvPr/>
+            </p:nvCxnSpPr>
+            <p:spPr>
+              <a:xfrm flipH="1">
+                <a:off x="7543531" y="5397355"/>
+                <a:ext cx="1585114" cy="0"/>
+              </a:xfrm>
+              <a:prstGeom prst="straightConnector1">
+                <a:avLst/>
+              </a:prstGeom>
+              <a:ln w="19050">
+                <a:tailEnd type="triangle"/>
+              </a:ln>
+            </p:spPr>
+            <p:style>
+              <a:lnRef idx="1">
+                <a:schemeClr val="dk1"/>
+              </a:lnRef>
+              <a:fillRef idx="0">
+                <a:schemeClr val="dk1"/>
+              </a:fillRef>
+              <a:effectRef idx="0">
+                <a:schemeClr val="dk1"/>
+              </a:effectRef>
+              <a:fontRef idx="minor">
+                <a:schemeClr val="tx1"/>
+              </a:fontRef>
+            </p:style>
+          </p:cxnSp>
+          <p:sp>
+            <p:nvSpPr>
+              <p:cNvPr id="112" name="TextBox 111">
+                <a:extLst>
+                  <a:ext uri="{FF2B5EF4-FFF2-40B4-BE49-F238E27FC236}">
+                    <a16:creationId xmlns:a16="http://schemas.microsoft.com/office/drawing/2014/main" id="{CFEC7E2C-EFEC-6CA4-121B-D5E714D80F82}"/>
+                  </a:ext>
+                </a:extLst>
+              </p:cNvPr>
+              <p:cNvSpPr txBox="1"/>
+              <p:nvPr/>
+            </p:nvSpPr>
+            <p:spPr>
+              <a:xfrm>
+                <a:off x="9157268" y="-59870"/>
+                <a:ext cx="3004484" cy="400110"/>
+              </a:xfrm>
+              <a:prstGeom prst="rect">
+                <a:avLst/>
+              </a:prstGeom>
+              <a:noFill/>
+            </p:spPr>
+            <p:txBody>
+              <a:bodyPr wrap="square" rtlCol="0">
+                <a:spAutoFit/>
+              </a:bodyPr>
+              <a:lstStyle/>
+              <a:p>
+                <a:pPr algn="ctr"/>
+                <a:r>
+                  <a:rPr lang="en-US" sz="2000" dirty="0"/>
+                  <a:t>Dwell time</a:t>
+                </a:r>
+              </a:p>
+            </p:txBody>
+          </p:sp>
+          <p:sp>
+            <p:nvSpPr>
+              <p:cNvPr id="117" name="TextBox 116">
+                <a:extLst>
+                  <a:ext uri="{FF2B5EF4-FFF2-40B4-BE49-F238E27FC236}">
+                    <a16:creationId xmlns:a16="http://schemas.microsoft.com/office/drawing/2014/main" id="{0F233A1B-6446-E4D8-D300-D3016D30F10A}"/>
+                  </a:ext>
+                </a:extLst>
+              </p:cNvPr>
+              <p:cNvSpPr txBox="1"/>
+              <p:nvPr/>
+            </p:nvSpPr>
+            <p:spPr>
+              <a:xfrm>
+                <a:off x="9133493" y="3174000"/>
+                <a:ext cx="2805187" cy="400110"/>
+              </a:xfrm>
+              <a:prstGeom prst="rect">
+                <a:avLst/>
+              </a:prstGeom>
+              <a:noFill/>
+            </p:spPr>
+            <p:txBody>
+              <a:bodyPr wrap="square" rtlCol="0">
+                <a:spAutoFit/>
+              </a:bodyPr>
+              <a:lstStyle/>
+              <a:p>
+                <a:pPr algn="ctr"/>
+                <a:r>
+                  <a:rPr lang="en-US" sz="2000" dirty="0"/>
+                  <a:t>2) Velocity scheduling</a:t>
+                </a:r>
+              </a:p>
+            </p:txBody>
+          </p:sp>
+          <p:sp>
+            <p:nvSpPr>
+              <p:cNvPr id="124" name="TextBox 123">
+                <a:extLst>
+                  <a:ext uri="{FF2B5EF4-FFF2-40B4-BE49-F238E27FC236}">
+                    <a16:creationId xmlns:a16="http://schemas.microsoft.com/office/drawing/2014/main" id="{A00A51B7-7A0A-EC66-CA03-697F807309D0}"/>
+                  </a:ext>
+                </a:extLst>
+              </p:cNvPr>
+              <p:cNvSpPr txBox="1"/>
+              <p:nvPr/>
+            </p:nvSpPr>
+            <p:spPr>
+              <a:xfrm>
+                <a:off x="3043462" y="4985632"/>
+                <a:ext cx="1561197" cy="400110"/>
+              </a:xfrm>
+              <a:prstGeom prst="rect">
+                <a:avLst/>
+              </a:prstGeom>
+              <a:noFill/>
+            </p:spPr>
+            <p:txBody>
+              <a:bodyPr wrap="none" rtlCol="0">
+                <a:spAutoFit/>
+              </a:bodyPr>
+              <a:lstStyle/>
+              <a:p>
+                <a:pPr algn="ctr"/>
+                <a:r>
+                  <a:rPr lang="en-US" sz="2000" dirty="0"/>
+                  <a:t>4) Estimation</a:t>
+                </a:r>
+              </a:p>
+            </p:txBody>
+          </p:sp>
+          <p:grpSp>
+            <p:nvGrpSpPr>
+              <p:cNvPr id="144" name="Group 143">
+                <a:extLst>
+                  <a:ext uri="{FF2B5EF4-FFF2-40B4-BE49-F238E27FC236}">
+                    <a16:creationId xmlns:a16="http://schemas.microsoft.com/office/drawing/2014/main" id="{F3093B83-BDB7-024A-F40B-F9130930D1A8}"/>
+                  </a:ext>
+                </a:extLst>
+              </p:cNvPr>
+              <p:cNvGrpSpPr/>
+              <p:nvPr/>
+            </p:nvGrpSpPr>
+            <p:grpSpPr>
+              <a:xfrm>
+                <a:off x="-158258" y="-70227"/>
+                <a:ext cx="6580025" cy="3183373"/>
+                <a:chOff x="-145558" y="-70227"/>
+                <a:chExt cx="6580025" cy="3183373"/>
+              </a:xfrm>
+            </p:grpSpPr>
+            <p:pic>
+              <p:nvPicPr>
+                <p:cNvPr id="143" name="Picture 142">
+                  <a:extLst>
+                    <a:ext uri="{FF2B5EF4-FFF2-40B4-BE49-F238E27FC236}">
+                      <a16:creationId xmlns:a16="http://schemas.microsoft.com/office/drawing/2014/main" id="{C8961B99-0DE6-74FE-B52B-E2593BF37B04}"/>
+                    </a:ext>
+                  </a:extLst>
+                </p:cNvPr>
+                <p:cNvPicPr>
+                  <a:picLocks noChangeAspect="1"/>
+                </p:cNvPicPr>
+                <p:nvPr/>
+              </p:nvPicPr>
+              <p:blipFill rotWithShape="1">
+                <a:blip r:embed="rId3"/>
+                <a:srcRect l="20430" t="5503" r="17508" b="9075"/>
+                <a:stretch/>
+              </p:blipFill>
+              <p:spPr>
+                <a:xfrm>
+                  <a:off x="60456" y="253904"/>
+                  <a:ext cx="2999638" cy="2859242"/>
+                </a:xfrm>
+                <a:prstGeom prst="rect">
+                  <a:avLst/>
+                </a:prstGeom>
+              </p:spPr>
+            </p:pic>
+            <p:grpSp>
+              <p:nvGrpSpPr>
+                <p:cNvPr id="126" name="Group 125">
+                  <a:extLst>
+                    <a:ext uri="{FF2B5EF4-FFF2-40B4-BE49-F238E27FC236}">
+                      <a16:creationId xmlns:a16="http://schemas.microsoft.com/office/drawing/2014/main" id="{5F086693-DB2E-66A5-FC28-888F73E642BA}"/>
+                    </a:ext>
+                  </a:extLst>
+                </p:cNvPr>
+                <p:cNvGrpSpPr/>
+                <p:nvPr/>
+              </p:nvGrpSpPr>
+              <p:grpSpPr>
+                <a:xfrm>
+                  <a:off x="213928" y="-52185"/>
+                  <a:ext cx="6220539" cy="2858821"/>
+                  <a:chOff x="597252" y="-64885"/>
+                  <a:chExt cx="5881679" cy="2858821"/>
+                </a:xfrm>
+              </p:grpSpPr>
+              <p:grpSp>
+                <p:nvGrpSpPr>
+                  <p:cNvPr id="57" name="Group 56">
+                    <a:extLst>
+                      <a:ext uri="{FF2B5EF4-FFF2-40B4-BE49-F238E27FC236}">
+                        <a16:creationId xmlns:a16="http://schemas.microsoft.com/office/drawing/2014/main" id="{A5E7B1FB-3F57-A152-1561-8810FBB7DADC}"/>
+                      </a:ext>
+                    </a:extLst>
+                  </p:cNvPr>
+                  <p:cNvGrpSpPr/>
+                  <p:nvPr/>
+                </p:nvGrpSpPr>
+                <p:grpSpPr>
+                  <a:xfrm>
+                    <a:off x="1521526" y="373541"/>
+                    <a:ext cx="4957405" cy="2420395"/>
+                    <a:chOff x="1493531" y="452619"/>
+                    <a:chExt cx="5453145" cy="2662435"/>
+                  </a:xfrm>
+                </p:grpSpPr>
+                <p:pic>
+                  <p:nvPicPr>
+                    <p:cNvPr id="39" name="Picture 38">
+                      <a:extLst>
+                        <a:ext uri="{FF2B5EF4-FFF2-40B4-BE49-F238E27FC236}">
+                          <a16:creationId xmlns:a16="http://schemas.microsoft.com/office/drawing/2014/main" id="{AD0F4576-3941-F6EF-2A9A-5C9DA66933EC}"/>
+                        </a:ext>
+                      </a:extLst>
+                    </p:cNvPr>
+                    <p:cNvPicPr>
+                      <a:picLocks noChangeAspect="1"/>
+                    </p:cNvPicPr>
+                    <p:nvPr/>
+                  </p:nvPicPr>
+                  <p:blipFill rotWithShape="1">
+                    <a:blip r:embed="rId4"/>
+                    <a:srcRect l="30705" t="81816" r="21711" b="4854"/>
+                    <a:stretch/>
+                  </p:blipFill>
+                  <p:spPr>
+                    <a:xfrm>
+                      <a:off x="4345449" y="2564985"/>
+                      <a:ext cx="2538174" cy="550069"/>
+                    </a:xfrm>
+                    <a:prstGeom prst="rect">
+                      <a:avLst/>
+                    </a:prstGeom>
+                  </p:spPr>
+                </p:pic>
+                <p:sp>
+                  <p:nvSpPr>
+                    <p:cNvPr id="40" name="Rectangle 39">
+                      <a:extLst>
+                        <a:ext uri="{FF2B5EF4-FFF2-40B4-BE49-F238E27FC236}">
+                          <a16:creationId xmlns:a16="http://schemas.microsoft.com/office/drawing/2014/main" id="{B30387F9-6CD0-6615-6841-6D276691C50F}"/>
+                        </a:ext>
+                      </a:extLst>
+                    </p:cNvPr>
+                    <p:cNvSpPr/>
+                    <p:nvPr/>
+                  </p:nvSpPr>
+                  <p:spPr>
+                    <a:xfrm>
+                      <a:off x="1493531" y="1713340"/>
+                      <a:ext cx="414212" cy="288314"/>
+                    </a:xfrm>
+                    <a:prstGeom prst="rect">
+                      <a:avLst/>
+                    </a:prstGeom>
+                    <a:noFill/>
+                    <a:ln w="38100">
+                      <a:solidFill>
+                        <a:srgbClr val="00B050"/>
+                      </a:solidFill>
+                      <a:prstDash val="solid"/>
+                    </a:ln>
+                  </p:spPr>
+                  <p:style>
+                    <a:lnRef idx="2">
+                      <a:schemeClr val="accent1">
+                        <a:shade val="50000"/>
+                      </a:schemeClr>
+                    </a:lnRef>
+                    <a:fillRef idx="1">
+                      <a:schemeClr val="accent1"/>
+                    </a:fillRef>
+                    <a:effectRef idx="0">
+                      <a:schemeClr val="accent1"/>
+                    </a:effectRef>
+                    <a:fontRef idx="minor">
+                      <a:schemeClr val="lt1"/>
+                    </a:fontRef>
+                  </p:style>
+                  <p:txBody>
+                    <a:bodyPr rtlCol="0" anchor="ctr"/>
+                    <a:lstStyle/>
+                    <a:p>
+                      <a:pPr algn="ctr"/>
+                      <a:endParaRPr lang="en-US" sz="2400"/>
+                    </a:p>
+                  </p:txBody>
+                </p:sp>
+                <p:cxnSp>
+                  <p:nvCxnSpPr>
+                    <p:cNvPr id="42" name="Straight Connector 41">
+                      <a:extLst>
+                        <a:ext uri="{FF2B5EF4-FFF2-40B4-BE49-F238E27FC236}">
+                          <a16:creationId xmlns:a16="http://schemas.microsoft.com/office/drawing/2014/main" id="{8C2317BC-0CEB-07A8-1085-B6E5A5C0C299}"/>
+                        </a:ext>
+                      </a:extLst>
+                    </p:cNvPr>
+                    <p:cNvCxnSpPr>
+                      <a:cxnSpLocks/>
+                      <a:stCxn id="40" idx="3"/>
+                    </p:cNvCxnSpPr>
+                    <p:nvPr/>
+                  </p:nvCxnSpPr>
+                  <p:spPr>
+                    <a:xfrm>
+                      <a:off x="1907743" y="1857497"/>
+                      <a:ext cx="2272316" cy="500122"/>
+                    </a:xfrm>
+                    <a:prstGeom prst="line">
+                      <a:avLst/>
+                    </a:prstGeom>
+                    <a:ln w="38100">
+                      <a:solidFill>
+                        <a:schemeClr val="accent6"/>
+                      </a:solidFill>
+                      <a:prstDash val="dash"/>
+                    </a:ln>
+                  </p:spPr>
+                  <p:style>
+                    <a:lnRef idx="1">
+                      <a:schemeClr val="dk1"/>
+                    </a:lnRef>
+                    <a:fillRef idx="0">
+                      <a:schemeClr val="dk1"/>
+                    </a:fillRef>
+                    <a:effectRef idx="0">
+                      <a:schemeClr val="dk1"/>
+                    </a:effectRef>
+                    <a:fontRef idx="minor">
+                      <a:schemeClr val="tx1"/>
+                    </a:fontRef>
+                  </p:style>
+                </p:cxnSp>
+                <p:cxnSp>
+                  <p:nvCxnSpPr>
+                    <p:cNvPr id="43" name="Straight Connector 42">
+                      <a:extLst>
+                        <a:ext uri="{FF2B5EF4-FFF2-40B4-BE49-F238E27FC236}">
+                          <a16:creationId xmlns:a16="http://schemas.microsoft.com/office/drawing/2014/main" id="{89970777-8735-9CCA-D201-5BBA952A94BD}"/>
+                        </a:ext>
+                      </a:extLst>
+                    </p:cNvPr>
+                    <p:cNvCxnSpPr>
+                      <a:cxnSpLocks/>
+                      <a:stCxn id="40" idx="3"/>
+                    </p:cNvCxnSpPr>
+                    <p:nvPr/>
+                  </p:nvCxnSpPr>
+                  <p:spPr>
+                    <a:xfrm flipV="1">
+                      <a:off x="1907743" y="454506"/>
+                      <a:ext cx="2271892" cy="1402991"/>
+                    </a:xfrm>
+                    <a:prstGeom prst="line">
+                      <a:avLst/>
+                    </a:prstGeom>
+                    <a:ln w="38100">
+                      <a:solidFill>
+                        <a:srgbClr val="00B050"/>
+                      </a:solidFill>
+                      <a:prstDash val="dash"/>
+                    </a:ln>
+                  </p:spPr>
+                  <p:style>
+                    <a:lnRef idx="1">
+                      <a:schemeClr val="dk1"/>
+                    </a:lnRef>
+                    <a:fillRef idx="0">
+                      <a:schemeClr val="dk1"/>
+                    </a:fillRef>
+                    <a:effectRef idx="0">
+                      <a:schemeClr val="dk1"/>
+                    </a:effectRef>
+                    <a:fontRef idx="minor">
+                      <a:schemeClr val="tx1"/>
+                    </a:fontRef>
+                  </p:style>
+                </p:cxnSp>
+                <p:pic>
+                  <p:nvPicPr>
+                    <p:cNvPr id="36" name="Picture 35">
+                      <a:extLst>
+                        <a:ext uri="{FF2B5EF4-FFF2-40B4-BE49-F238E27FC236}">
+                          <a16:creationId xmlns:a16="http://schemas.microsoft.com/office/drawing/2014/main" id="{21E13CCD-B795-46A9-376B-C5B6D60B4396}"/>
+                        </a:ext>
+                      </a:extLst>
+                    </p:cNvPr>
+                    <p:cNvPicPr>
+                      <a:picLocks noChangeAspect="1"/>
+                    </p:cNvPicPr>
+                    <p:nvPr/>
+                  </p:nvPicPr>
+                  <p:blipFill rotWithShape="1">
+                    <a:blip r:embed="rId4"/>
+                    <a:srcRect l="12683" t="6892" r="36008" b="45489"/>
+                    <a:stretch/>
+                  </p:blipFill>
+                  <p:spPr>
+                    <a:xfrm>
+                      <a:off x="4209826" y="452619"/>
+                      <a:ext cx="2736850" cy="1905000"/>
+                    </a:xfrm>
+                    <a:prstGeom prst="rect">
+                      <a:avLst/>
+                    </a:prstGeom>
+                    <a:ln w="38100">
+                      <a:solidFill>
+                        <a:srgbClr val="00B050"/>
+                      </a:solidFill>
+                    </a:ln>
+                  </p:spPr>
+                </p:pic>
+              </p:grpSp>
+              <p:sp>
+                <p:nvSpPr>
+                  <p:cNvPr id="111" name="TextBox 110">
+                    <a:extLst>
+                      <a:ext uri="{FF2B5EF4-FFF2-40B4-BE49-F238E27FC236}">
+                        <a16:creationId xmlns:a16="http://schemas.microsoft.com/office/drawing/2014/main" id="{F9D3DE82-3A5E-8FB2-1F4E-50769D2CF0A9}"/>
+                      </a:ext>
+                    </a:extLst>
+                  </p:cNvPr>
+                  <p:cNvSpPr txBox="1"/>
+                  <p:nvPr/>
+                </p:nvSpPr>
+                <p:spPr>
+                  <a:xfrm>
+                    <a:off x="597252" y="-64885"/>
+                    <a:ext cx="2600652" cy="400110"/>
+                  </a:xfrm>
+                  <a:prstGeom prst="rect">
+                    <a:avLst/>
+                  </a:prstGeom>
+                  <a:noFill/>
+                </p:spPr>
+                <p:txBody>
+                  <a:bodyPr wrap="square" rtlCol="0">
+                    <a:spAutoFit/>
+                  </a:bodyPr>
+                  <a:lstStyle/>
+                  <a:p>
+                    <a:pPr algn="ctr"/>
+                    <a:r>
+                      <a:rPr lang="en-US" sz="2000" dirty="0"/>
+                      <a:t>Defined tool path</a:t>
+                    </a:r>
+                  </a:p>
+                </p:txBody>
+              </p:sp>
+            </p:grpSp>
+            <p:sp>
+              <p:nvSpPr>
+                <p:cNvPr id="134" name="TextBox 133">
+                  <a:extLst>
+                    <a:ext uri="{FF2B5EF4-FFF2-40B4-BE49-F238E27FC236}">
+                      <a16:creationId xmlns:a16="http://schemas.microsoft.com/office/drawing/2014/main" id="{179F25E6-BE1A-89B2-54F9-4B162B9A042E}"/>
+                    </a:ext>
+                  </a:extLst>
+                </p:cNvPr>
+                <p:cNvSpPr txBox="1"/>
+                <p:nvPr/>
+              </p:nvSpPr>
+              <p:spPr>
+                <a:xfrm>
+                  <a:off x="-145558" y="-70227"/>
+                  <a:ext cx="658924" cy="400110"/>
+                </a:xfrm>
+                <a:prstGeom prst="rect">
+                  <a:avLst/>
+                </a:prstGeom>
+                <a:noFill/>
+              </p:spPr>
+              <p:txBody>
+                <a:bodyPr wrap="square" rtlCol="0">
+                  <a:spAutoFit/>
+                </a:bodyPr>
+                <a:lstStyle/>
+                <a:p>
+                  <a:pPr algn="ctr"/>
+                  <a:r>
+                    <a:rPr lang="en-US" sz="2000" b="1" dirty="0"/>
+                    <a:t>(a)</a:t>
+                  </a:r>
+                </a:p>
+              </p:txBody>
+            </p:sp>
+          </p:grpSp>
+          <p:sp>
+            <p:nvSpPr>
+              <p:cNvPr id="135" name="TextBox 134">
+                <a:extLst>
+                  <a:ext uri="{FF2B5EF4-FFF2-40B4-BE49-F238E27FC236}">
+                    <a16:creationId xmlns:a16="http://schemas.microsoft.com/office/drawing/2014/main" id="{28FB5DEF-D808-65FA-1C2E-997DB70F15F5}"/>
+                  </a:ext>
+                </a:extLst>
+              </p:cNvPr>
+              <p:cNvSpPr txBox="1"/>
+              <p:nvPr/>
+            </p:nvSpPr>
+            <p:spPr>
+              <a:xfrm>
+                <a:off x="8973042" y="-70227"/>
+                <a:ext cx="658924" cy="400110"/>
+              </a:xfrm>
+              <a:prstGeom prst="rect">
+                <a:avLst/>
+              </a:prstGeom>
+              <a:noFill/>
+            </p:spPr>
+            <p:txBody>
+              <a:bodyPr wrap="square" rtlCol="0">
+                <a:spAutoFit/>
+              </a:bodyPr>
+              <a:lstStyle/>
+              <a:p>
+                <a:pPr algn="ctr"/>
+                <a:r>
+                  <a:rPr lang="en-US" sz="2000" b="1" dirty="0"/>
+                  <a:t>(b)</a:t>
+                </a:r>
+              </a:p>
+            </p:txBody>
+          </p:sp>
+          <p:grpSp>
+            <p:nvGrpSpPr>
+              <p:cNvPr id="149" name="Group 148">
+                <a:extLst>
+                  <a:ext uri="{FF2B5EF4-FFF2-40B4-BE49-F238E27FC236}">
+                    <a16:creationId xmlns:a16="http://schemas.microsoft.com/office/drawing/2014/main" id="{0053C131-5A28-0C6A-CF80-002608C8E46A}"/>
+                  </a:ext>
+                </a:extLst>
+              </p:cNvPr>
+              <p:cNvGrpSpPr/>
+              <p:nvPr/>
+            </p:nvGrpSpPr>
+            <p:grpSpPr>
+              <a:xfrm>
+                <a:off x="4408158" y="3612051"/>
+                <a:ext cx="3348919" cy="414963"/>
+                <a:chOff x="4408158" y="3590338"/>
+                <a:chExt cx="3348919" cy="414963"/>
+              </a:xfrm>
+            </p:grpSpPr>
+            <p:sp>
+              <p:nvSpPr>
+                <p:cNvPr id="119" name="TextBox 118">
+                  <a:extLst>
+                    <a:ext uri="{FF2B5EF4-FFF2-40B4-BE49-F238E27FC236}">
+                      <a16:creationId xmlns:a16="http://schemas.microsoft.com/office/drawing/2014/main" id="{D049C5AF-DD0F-AE3A-68E3-337315E772DF}"/>
+                    </a:ext>
+                  </a:extLst>
+                </p:cNvPr>
+                <p:cNvSpPr txBox="1"/>
+                <p:nvPr/>
+              </p:nvSpPr>
+              <p:spPr>
+                <a:xfrm>
+                  <a:off x="4752594" y="3605191"/>
+                  <a:ext cx="3004483" cy="400110"/>
+                </a:xfrm>
+                <a:prstGeom prst="rect">
+                  <a:avLst/>
+                </a:prstGeom>
+                <a:noFill/>
+              </p:spPr>
+              <p:txBody>
+                <a:bodyPr wrap="square" rtlCol="0">
+                  <a:spAutoFit/>
+                </a:bodyPr>
+                <a:lstStyle/>
+                <a:p>
+                  <a:pPr algn="ctr"/>
+                  <a:r>
+                    <a:rPr lang="en-US" sz="2000" dirty="0"/>
+                    <a:t>Calculated tool path</a:t>
+                  </a:r>
+                </a:p>
+              </p:txBody>
+            </p:sp>
+            <p:sp>
+              <p:nvSpPr>
+                <p:cNvPr id="138" name="TextBox 137">
+                  <a:extLst>
+                    <a:ext uri="{FF2B5EF4-FFF2-40B4-BE49-F238E27FC236}">
+                      <a16:creationId xmlns:a16="http://schemas.microsoft.com/office/drawing/2014/main" id="{D5618A11-7607-6544-4B59-CDAEAA17F26B}"/>
+                    </a:ext>
+                  </a:extLst>
+                </p:cNvPr>
+                <p:cNvSpPr txBox="1"/>
+                <p:nvPr/>
+              </p:nvSpPr>
+              <p:spPr>
+                <a:xfrm>
+                  <a:off x="4408158" y="3590338"/>
+                  <a:ext cx="658924" cy="400110"/>
+                </a:xfrm>
+                <a:prstGeom prst="rect">
+                  <a:avLst/>
+                </a:prstGeom>
+                <a:noFill/>
+              </p:spPr>
+              <p:txBody>
+                <a:bodyPr wrap="square" rtlCol="0">
+                  <a:spAutoFit/>
+                </a:bodyPr>
+                <a:lstStyle/>
+                <a:p>
+                  <a:pPr algn="ctr"/>
+                  <a:r>
+                    <a:rPr lang="en-US" sz="2000" b="1" dirty="0"/>
+                    <a:t>(d)</a:t>
+                  </a:r>
+                </a:p>
+              </p:txBody>
+            </p:sp>
+          </p:grpSp>
+          <p:pic>
+            <p:nvPicPr>
+              <p:cNvPr id="152" name="Picture 151">
+                <a:extLst>
+                  <a:ext uri="{FF2B5EF4-FFF2-40B4-BE49-F238E27FC236}">
+                    <a16:creationId xmlns:a16="http://schemas.microsoft.com/office/drawing/2014/main" id="{1601BE77-88C8-AD1A-87D3-17B4CD985E41}"/>
+                  </a:ext>
+                </a:extLst>
+              </p:cNvPr>
+              <p:cNvPicPr>
+                <a:picLocks noChangeAspect="1"/>
+              </p:cNvPicPr>
+              <p:nvPr/>
+            </p:nvPicPr>
+            <p:blipFill rotWithShape="1">
+              <a:blip r:embed="rId5"/>
+              <a:srcRect l="20668" t="6666" r="17500" b="10585"/>
+              <a:stretch/>
+            </p:blipFill>
+            <p:spPr>
+              <a:xfrm>
+                <a:off x="4594826" y="4003546"/>
+                <a:ext cx="2948705" cy="2787617"/>
+              </a:xfrm>
+              <a:prstGeom prst="rect">
+                <a:avLst/>
+              </a:prstGeom>
+            </p:spPr>
+          </p:pic>
+          <p:grpSp>
+            <p:nvGrpSpPr>
+              <p:cNvPr id="150" name="Group 149">
+                <a:extLst>
+                  <a:ext uri="{FF2B5EF4-FFF2-40B4-BE49-F238E27FC236}">
+                    <a16:creationId xmlns:a16="http://schemas.microsoft.com/office/drawing/2014/main" id="{73549D15-55FB-A9D0-423D-A313CEE134FE}"/>
+                  </a:ext>
+                </a:extLst>
+              </p:cNvPr>
+              <p:cNvGrpSpPr/>
+              <p:nvPr/>
+            </p:nvGrpSpPr>
+            <p:grpSpPr>
+              <a:xfrm>
+                <a:off x="-158258" y="3612051"/>
+                <a:ext cx="3130059" cy="426476"/>
+                <a:chOff x="-158258" y="3590338"/>
+                <a:chExt cx="3130059" cy="426476"/>
+              </a:xfrm>
+            </p:grpSpPr>
+            <p:sp>
+              <p:nvSpPr>
+                <p:cNvPr id="120" name="TextBox 119">
+                  <a:extLst>
+                    <a:ext uri="{FF2B5EF4-FFF2-40B4-BE49-F238E27FC236}">
+                      <a16:creationId xmlns:a16="http://schemas.microsoft.com/office/drawing/2014/main" id="{B94C2FBC-6B71-BAC7-9439-04B1D56F5EE8}"/>
+                    </a:ext>
+                  </a:extLst>
+                </p:cNvPr>
+                <p:cNvSpPr txBox="1"/>
+                <p:nvPr/>
+              </p:nvSpPr>
+              <p:spPr>
+                <a:xfrm>
+                  <a:off x="264729" y="3616704"/>
+                  <a:ext cx="2707072" cy="400110"/>
+                </a:xfrm>
+                <a:prstGeom prst="rect">
+                  <a:avLst/>
+                </a:prstGeom>
+                <a:noFill/>
+              </p:spPr>
+              <p:txBody>
+                <a:bodyPr wrap="square" rtlCol="0">
+                  <a:spAutoFit/>
+                </a:bodyPr>
+                <a:lstStyle/>
+                <a:p>
+                  <a:pPr algn="ctr"/>
+                  <a:r>
+                    <a:rPr lang="en-US" sz="2000" dirty="0"/>
+                    <a:t>Estimated residual</a:t>
+                  </a:r>
+                </a:p>
+              </p:txBody>
+            </p:sp>
+            <p:sp>
+              <p:nvSpPr>
+                <p:cNvPr id="136" name="TextBox 135">
+                  <a:extLst>
+                    <a:ext uri="{FF2B5EF4-FFF2-40B4-BE49-F238E27FC236}">
+                      <a16:creationId xmlns:a16="http://schemas.microsoft.com/office/drawing/2014/main" id="{D4ACA9FA-8199-6DD9-14BB-C40C433983C7}"/>
+                    </a:ext>
+                  </a:extLst>
+                </p:cNvPr>
+                <p:cNvSpPr txBox="1"/>
+                <p:nvPr/>
+              </p:nvSpPr>
+              <p:spPr>
+                <a:xfrm>
+                  <a:off x="-158258" y="3590338"/>
+                  <a:ext cx="658924" cy="400110"/>
+                </a:xfrm>
+                <a:prstGeom prst="rect">
+                  <a:avLst/>
+                </a:prstGeom>
+                <a:noFill/>
+              </p:spPr>
+              <p:txBody>
+                <a:bodyPr wrap="square" rtlCol="0">
+                  <a:spAutoFit/>
+                </a:bodyPr>
+                <a:lstStyle/>
+                <a:p>
+                  <a:pPr algn="ctr"/>
+                  <a:r>
+                    <a:rPr lang="en-US" sz="2000" b="1" dirty="0"/>
+                    <a:t>(e)</a:t>
+                  </a:r>
+                </a:p>
+              </p:txBody>
+            </p:sp>
+          </p:grpSp>
+          <p:pic>
+            <p:nvPicPr>
+              <p:cNvPr id="157" name="Picture 156">
+                <a:extLst>
+                  <a:ext uri="{FF2B5EF4-FFF2-40B4-BE49-F238E27FC236}">
+                    <a16:creationId xmlns:a16="http://schemas.microsoft.com/office/drawing/2014/main" id="{76BA3978-33D2-C545-9846-F803C5B5B069}"/>
+                  </a:ext>
+                </a:extLst>
+              </p:cNvPr>
+              <p:cNvPicPr>
+                <a:picLocks noChangeAspect="1"/>
+              </p:cNvPicPr>
+              <p:nvPr/>
+            </p:nvPicPr>
+            <p:blipFill rotWithShape="1">
+              <a:blip r:embed="rId6"/>
+              <a:srcRect l="20668" t="6369" r="17532" b="10396"/>
+              <a:stretch/>
+            </p:blipFill>
+            <p:spPr>
+              <a:xfrm>
+                <a:off x="49628" y="4003546"/>
+                <a:ext cx="2902928" cy="2787617"/>
+              </a:xfrm>
+              <a:prstGeom prst="rect">
+                <a:avLst/>
+              </a:prstGeom>
+            </p:spPr>
+          </p:pic>
+          <p:cxnSp>
+            <p:nvCxnSpPr>
+              <p:cNvPr id="121" name="Straight Arrow Connector 120">
+                <a:extLst>
+                  <a:ext uri="{FF2B5EF4-FFF2-40B4-BE49-F238E27FC236}">
+                    <a16:creationId xmlns:a16="http://schemas.microsoft.com/office/drawing/2014/main" id="{074FF90E-C380-B6B7-F722-C499D912FDEF}"/>
+                  </a:ext>
+                </a:extLst>
+              </p:cNvPr>
+              <p:cNvCxnSpPr>
+                <a:cxnSpLocks/>
+                <a:stCxn id="152" idx="1"/>
+                <a:endCxn id="157" idx="3"/>
+              </p:cNvCxnSpPr>
+              <p:nvPr/>
+            </p:nvCxnSpPr>
+            <p:spPr>
+              <a:xfrm flipH="1">
+                <a:off x="2952556" y="5397355"/>
+                <a:ext cx="1642270" cy="0"/>
+              </a:xfrm>
+              <a:prstGeom prst="straightConnector1">
+                <a:avLst/>
+              </a:prstGeom>
+              <a:ln w="19050">
+                <a:tailEnd type="triangle"/>
+              </a:ln>
+            </p:spPr>
+            <p:style>
+              <a:lnRef idx="1">
+                <a:schemeClr val="dk1"/>
+              </a:lnRef>
+              <a:fillRef idx="0">
+                <a:schemeClr val="dk1"/>
+              </a:fillRef>
+              <a:effectRef idx="0">
+                <a:schemeClr val="dk1"/>
+              </a:effectRef>
+              <a:fontRef idx="minor">
+                <a:schemeClr val="tx1"/>
+              </a:fontRef>
+            </p:style>
+          </p:cxnSp>
+          <p:sp>
+            <p:nvSpPr>
+              <p:cNvPr id="137" name="TextBox 136">
+                <a:extLst>
+                  <a:ext uri="{FF2B5EF4-FFF2-40B4-BE49-F238E27FC236}">
+                    <a16:creationId xmlns:a16="http://schemas.microsoft.com/office/drawing/2014/main" id="{15A4C40F-CE64-25DD-5AB0-5E5920EBFA61}"/>
+                  </a:ext>
+                </a:extLst>
+              </p:cNvPr>
+              <p:cNvSpPr txBox="1"/>
+              <p:nvPr/>
+            </p:nvSpPr>
+            <p:spPr>
+              <a:xfrm>
+                <a:off x="8973042" y="3801379"/>
+                <a:ext cx="658924" cy="400110"/>
+              </a:xfrm>
+              <a:prstGeom prst="rect">
+                <a:avLst/>
+              </a:prstGeom>
+              <a:noFill/>
+            </p:spPr>
+            <p:txBody>
+              <a:bodyPr wrap="square" rtlCol="0">
+                <a:spAutoFit/>
+              </a:bodyPr>
+              <a:lstStyle/>
+              <a:p>
+                <a:pPr algn="ctr"/>
+                <a:r>
+                  <a:rPr lang="en-US" sz="2000" b="1" dirty="0"/>
+                  <a:t>(c)</a:t>
+                </a:r>
+              </a:p>
+            </p:txBody>
+          </p:sp>
+        </p:grpSp>
+        <p:pic>
+          <p:nvPicPr>
+            <p:cNvPr id="3" name="Picture 2">
+              <a:extLst>
+                <a:ext uri="{FF2B5EF4-FFF2-40B4-BE49-F238E27FC236}">
+                  <a16:creationId xmlns:a16="http://schemas.microsoft.com/office/drawing/2014/main" id="{11A57924-6B96-1EC8-583E-D71F4B5C99D9}"/>
+                </a:ext>
+              </a:extLst>
+            </p:cNvPr>
+            <p:cNvPicPr>
+              <a:picLocks noChangeAspect="1"/>
+            </p:cNvPicPr>
+            <p:nvPr/>
+          </p:nvPicPr>
+          <p:blipFill rotWithShape="1">
+            <a:blip r:embed="rId7"/>
+            <a:srcRect l="12271" t="5867" r="9439" b="10595"/>
+            <a:stretch/>
+          </p:blipFill>
+          <p:spPr>
+            <a:xfrm>
+              <a:off x="9128645" y="4140032"/>
+              <a:ext cx="2852244" cy="2282622"/>
+            </a:xfrm>
+            <a:prstGeom prst="rect">
+              <a:avLst/>
+            </a:prstGeom>
+          </p:spPr>
+        </p:pic>
+      </p:grpSp>
+    </p:spTree>
+    <p:extLst>
+      <p:ext uri="{BB962C8B-B14F-4D97-AF65-F5344CB8AC3E}">
+        <p14:creationId xmlns:p14="http://schemas.microsoft.com/office/powerpoint/2010/main" val="1392391635"/>
+      </p:ext>
+    </p:extLst>
+  </p:cSld>
+  <p:clrMapOvr>
+    <a:masterClrMapping/>
+  </p:clrMapOvr>
+</p:sld>
+</file>
+
+<file path=ppt/slides/slide2.xml><?xml version="1.0" encoding="utf-8"?>
 <p:sld xmlns:a="http://schemas.openxmlformats.org/drawingml/2006/main" xmlns:r="http://schemas.openxmlformats.org/officeDocument/2006/relationships" xmlns:p="http://schemas.openxmlformats.org/presentationml/2006/main">
   <p:cSld>
     <p:spTree>
@@ -4484,7 +5648,7 @@
     </p:spTree>
     <p:extLst>
       <p:ext uri="{BB962C8B-B14F-4D97-AF65-F5344CB8AC3E}">
-        <p14:creationId xmlns:p14="http://schemas.microsoft.com/office/powerpoint/2010/main" val="1392391635"/>
+        <p14:creationId xmlns:p14="http://schemas.microsoft.com/office/powerpoint/2010/main" val="4044075765"/>
       </p:ext>
     </p:extLst>
   </p:cSld>
@@ -4494,7 +5658,7 @@
 </p:sld>
 </file>
 
-<file path=ppt/slides/slide2.xml><?xml version="1.0" encoding="utf-8"?>
+<file path=ppt/slides/slide3.xml><?xml version="1.0" encoding="utf-8"?>
 <p:sld xmlns:a="http://schemas.openxmlformats.org/drawingml/2006/main" xmlns:r="http://schemas.openxmlformats.org/officeDocument/2006/relationships" xmlns:p="http://schemas.openxmlformats.org/presentationml/2006/main">
   <p:cSld>
     <p:spTree>
